--- a/Elementary Cellular Automaton.pptx
+++ b/Elementary Cellular Automaton.pptx
@@ -112,6 +112,11 @@
       </a:defRPr>
     </a:lvl9pPr>
   </p:defaultTextStyle>
+  <p:extLst>
+    <p:ext uri="{EFAFB233-063F-42B5-8137-9DF3F51BA10A}">
+      <p15:sldGuideLst xmlns:p15="http://schemas.microsoft.com/office/powerpoint/2012/main"/>
+    </p:ext>
+  </p:extLst>
 </p:presentation>
 </file>
 
@@ -3483,6 +3488,13 @@
   <p:clrMapOvr>
     <a:masterClrMapping/>
   </p:clrMapOvr>
+  <p:timing>
+    <p:tnLst>
+      <p:par>
+        <p:cTn id="1" dur="indefinite" restart="never" nodeType="tmRoot"/>
+      </p:par>
+    </p:tnLst>
+  </p:timing>
 </p:sld>
 </file>
 
@@ -3759,7 +3771,11 @@
           <a:p>
             <a:r>
               <a:rPr lang="en-US" dirty="0" smtClean="0"/>
-              <a:t>One rule</a:t>
+              <a:t>One </a:t>
+            </a:r>
+            <a:r>
+              <a:rPr lang="en-US" dirty="0" smtClean="0"/>
+              <a:t>rule ( OK well maybe more than one…)</a:t>
             </a:r>
             <a:endParaRPr lang="en-US" dirty="0"/>
           </a:p>
@@ -3884,58 +3900,56 @@
           <a:bodyPr/>
           <a:lstStyle/>
           <a:p>
-            <a:r>
-              <a:rPr lang="en-US" dirty="0" smtClean="0"/>
-              <a:t>Thanks!</a:t>
-            </a:r>
-            <a:endParaRPr lang="en-US" dirty="0"/>
-          </a:p>
-        </p:txBody>
-      </p:sp>
-      <p:sp>
-        <p:nvSpPr>
-          <p:cNvPr id="3" name="Content Placeholder 2"/>
-          <p:cNvSpPr>
-            <a:spLocks noGrp="1"/>
-          </p:cNvSpPr>
+            <a:endParaRPr lang="en-US"/>
+          </a:p>
+        </p:txBody>
+      </p:sp>
+      <p:pic>
+        <p:nvPicPr>
+          <p:cNvPr id="4" name="Content Placeholder 3"/>
+          <p:cNvPicPr>
+            <a:picLocks noGrp="1" noChangeAspect="1"/>
+          </p:cNvPicPr>
           <p:nvPr>
             <p:ph idx="1"/>
           </p:nvPr>
-        </p:nvSpPr>
-        <p:spPr/>
-        <p:txBody>
-          <a:bodyPr/>
-          <a:lstStyle/>
-          <a:p>
-            <a:pPr marL="0" indent="0">
-              <a:buNone/>
-            </a:pPr>
-            <a:r>
-              <a:rPr lang="en-US" dirty="0" smtClean="0">
-                <a:hlinkClick r:id="rId2"/>
-              </a:rPr>
-              <a:t>www.github.com/armadilloNik/SeptemberDallasFp</a:t>
-            </a:r>
-            <a:endParaRPr lang="en-US" dirty="0" smtClean="0"/>
-          </a:p>
-          <a:p>
-            <a:pPr marL="0" indent="0">
-              <a:buNone/>
-            </a:pPr>
-            <a:endParaRPr lang="en-US" dirty="0" smtClean="0"/>
-          </a:p>
-        </p:txBody>
-      </p:sp>
+        </p:nvPicPr>
+        <p:blipFill>
+          <a:blip r:embed="rId2" cstate="print">
+            <a:extLst>
+              <a:ext uri="{28A0092B-C50C-407E-A947-70E740481C1C}">
+                <a14:useLocalDpi xmlns:a14="http://schemas.microsoft.com/office/drawing/2010/main" val="0"/>
+              </a:ext>
+            </a:extLst>
+          </a:blip>
+          <a:stretch>
+            <a:fillRect/>
+          </a:stretch>
+        </p:blipFill>
+        <p:spPr>
+          <a:xfrm>
+            <a:off x="545308" y="1977082"/>
+            <a:ext cx="11255534" cy="2413686"/>
+          </a:xfrm>
+        </p:spPr>
+      </p:pic>
     </p:spTree>
     <p:extLst>
       <p:ext uri="{BB962C8B-B14F-4D97-AF65-F5344CB8AC3E}">
-        <p14:creationId xmlns:p14="http://schemas.microsoft.com/office/powerpoint/2010/main" val="770291907"/>
+        <p14:creationId xmlns:p14="http://schemas.microsoft.com/office/powerpoint/2010/main" val="860086852"/>
       </p:ext>
     </p:extLst>
   </p:cSld>
   <p:clrMapOvr>
     <a:masterClrMapping/>
   </p:clrMapOvr>
+  <p:timing>
+    <p:tnLst>
+      <p:par>
+        <p:cTn id="1" dur="indefinite" restart="never" nodeType="tmRoot"/>
+      </p:par>
+    </p:tnLst>
+  </p:timing>
 </p:sld>
 </file>
 
